--- a/ER Diagram.pptx
+++ b/ER Diagram.pptx
@@ -104,6 +104,11 @@
       </a:defRPr>
     </a:lvl9pPr>
   </p:defaultTextStyle>
+  <p:extLst>
+    <p:ext uri="{EFAFB233-063F-42B5-8137-9DF3F51BA10A}">
+      <p15:sldGuideLst xmlns:p15="http://schemas.microsoft.com/office/powerpoint/2012/main"/>
+    </p:ext>
+  </p:extLst>
 </p:presentation>
 </file>
 
@@ -2964,6 +2969,44 @@
           <a:chExt cx="0" cy="0"/>
         </a:xfrm>
       </p:grpSpPr>
+      <p:cxnSp>
+        <p:nvCxnSpPr>
+          <p:cNvPr id="84" name="Straight Connector 83"/>
+          <p:cNvCxnSpPr>
+            <a:stCxn id="78" idx="2"/>
+            <a:endCxn id="76" idx="2"/>
+          </p:cNvCxnSpPr>
+          <p:nvPr/>
+        </p:nvCxnSpPr>
+        <p:spPr>
+          <a:xfrm>
+            <a:off x="4258025" y="5929378"/>
+            <a:ext cx="1191340" cy="3594"/>
+          </a:xfrm>
+          <a:prstGeom prst="line">
+            <a:avLst/>
+          </a:prstGeom>
+          <a:ln w="28575">
+            <a:solidFill>
+              <a:schemeClr val="tx1"/>
+            </a:solidFill>
+          </a:ln>
+        </p:spPr>
+        <p:style>
+          <a:lnRef idx="1">
+            <a:schemeClr val="accent1"/>
+          </a:lnRef>
+          <a:fillRef idx="0">
+            <a:schemeClr val="accent1"/>
+          </a:fillRef>
+          <a:effectRef idx="0">
+            <a:schemeClr val="accent1"/>
+          </a:effectRef>
+          <a:fontRef idx="minor">
+            <a:schemeClr val="tx1"/>
+          </a:fontRef>
+        </p:style>
+      </p:cxnSp>
       <p:sp>
         <p:nvSpPr>
           <p:cNvPr id="4" name="Rectangle 3"/>
@@ -4405,7 +4448,7 @@
         </p:nvCxnSpPr>
         <p:spPr>
           <a:xfrm>
-            <a:off x="5128753" y="5618183"/>
+            <a:off x="4966828" y="5618183"/>
             <a:ext cx="0" cy="635691"/>
           </a:xfrm>
           <a:prstGeom prst="line">
@@ -4440,7 +4483,7 @@
         </p:nvSpPr>
         <p:spPr>
           <a:xfrm>
-            <a:off x="4999356" y="5799981"/>
+            <a:off x="4837431" y="5799981"/>
             <a:ext cx="258793" cy="258793"/>
           </a:xfrm>
           <a:prstGeom prst="ellipse">
@@ -4488,7 +4531,7 @@
         </p:nvSpPr>
         <p:spPr>
           <a:xfrm>
-            <a:off x="4999105" y="6253874"/>
+            <a:off x="4837180" y="6253874"/>
             <a:ext cx="258793" cy="258793"/>
           </a:xfrm>
           <a:prstGeom prst="ellipse">
@@ -4534,7 +4577,7 @@
         </p:nvCxnSpPr>
         <p:spPr>
           <a:xfrm>
-            <a:off x="5807362" y="5606681"/>
+            <a:off x="5578762" y="5606681"/>
             <a:ext cx="0" cy="635691"/>
           </a:xfrm>
           <a:prstGeom prst="line">
@@ -4569,7 +4612,7 @@
         </p:nvSpPr>
         <p:spPr>
           <a:xfrm>
-            <a:off x="5677965" y="5803575"/>
+            <a:off x="5449365" y="5803575"/>
             <a:ext cx="258793" cy="258793"/>
           </a:xfrm>
           <a:prstGeom prst="ellipse">
@@ -4617,7 +4660,7 @@
         </p:nvSpPr>
         <p:spPr>
           <a:xfrm>
-            <a:off x="5677714" y="6242372"/>
+            <a:off x="5449114" y="6242372"/>
             <a:ext cx="258793" cy="258793"/>
           </a:xfrm>
           <a:prstGeom prst="ellipse">
@@ -4663,7 +4706,7 @@
         </p:nvSpPr>
         <p:spPr>
           <a:xfrm>
-            <a:off x="4343750" y="5799981"/>
+            <a:off x="4258025" y="5799981"/>
             <a:ext cx="258793" cy="258793"/>
           </a:xfrm>
           <a:prstGeom prst="ellipse">
@@ -4711,7 +4754,7 @@
         </p:nvSpPr>
         <p:spPr>
           <a:xfrm>
-            <a:off x="4698619" y="6488668"/>
+            <a:off x="4536694" y="6488668"/>
             <a:ext cx="1003893" cy="369332"/>
           </a:xfrm>
           <a:prstGeom prst="rect">
@@ -4741,7 +4784,7 @@
         </p:nvSpPr>
         <p:spPr>
           <a:xfrm>
-            <a:off x="5471060" y="6485792"/>
+            <a:off x="5242460" y="6485792"/>
             <a:ext cx="1003893" cy="369332"/>
           </a:xfrm>
           <a:prstGeom prst="rect">
@@ -4765,16 +4808,14 @@
       </p:sp>
       <p:cxnSp>
         <p:nvCxnSpPr>
-          <p:cNvPr id="84" name="Straight Connector 83"/>
-          <p:cNvCxnSpPr>
-            <a:endCxn id="76" idx="2"/>
-          </p:cNvCxnSpPr>
+          <p:cNvPr id="91" name="Straight Connector 90"/>
+          <p:cNvCxnSpPr/>
           <p:nvPr/>
         </p:nvCxnSpPr>
         <p:spPr>
           <a:xfrm>
-            <a:off x="4401501" y="5932971"/>
-            <a:ext cx="1276464" cy="1"/>
+            <a:off x="4225925" y="5145699"/>
+            <a:ext cx="632601" cy="0"/>
           </a:xfrm>
           <a:prstGeom prst="line">
             <a:avLst/>
@@ -4800,41 +4841,6 @@
           </a:fontRef>
         </p:style>
       </p:cxnSp>
-      <p:cxnSp>
-        <p:nvCxnSpPr>
-          <p:cNvPr id="91" name="Straight Connector 90"/>
-          <p:cNvCxnSpPr/>
-          <p:nvPr/>
-        </p:nvCxnSpPr>
-        <p:spPr>
-          <a:xfrm>
-            <a:off x="4225925" y="5145699"/>
-            <a:ext cx="632601" cy="0"/>
-          </a:xfrm>
-          <a:prstGeom prst="line">
-            <a:avLst/>
-          </a:prstGeom>
-          <a:ln w="28575">
-            <a:solidFill>
-              <a:schemeClr val="tx1"/>
-            </a:solidFill>
-          </a:ln>
-        </p:spPr>
-        <p:style>
-          <a:lnRef idx="1">
-            <a:schemeClr val="accent1"/>
-          </a:lnRef>
-          <a:fillRef idx="0">
-            <a:schemeClr val="accent1"/>
-          </a:fillRef>
-          <a:effectRef idx="0">
-            <a:schemeClr val="accent1"/>
-          </a:effectRef>
-          <a:fontRef idx="minor">
-            <a:schemeClr val="tx1"/>
-          </a:fontRef>
-        </p:style>
-      </p:cxnSp>
       <p:sp>
         <p:nvSpPr>
           <p:cNvPr id="92" name="Oval 91"/>
@@ -4849,9 +4855,7 @@
           <a:prstGeom prst="ellipse">
             <a:avLst/>
           </a:prstGeom>
-          <a:solidFill>
-            <a:schemeClr val="bg1"/>
-          </a:solidFill>
+          <a:noFill/>
           <a:ln w="28575">
             <a:solidFill>
               <a:schemeClr val="tx1"/>
@@ -4932,9 +4936,7 @@
           <a:prstGeom prst="ellipse">
             <a:avLst/>
           </a:prstGeom>
-          <a:solidFill>
-            <a:schemeClr val="bg1"/>
-          </a:solidFill>
+          <a:noFill/>
           <a:ln w="28575">
             <a:solidFill>
               <a:schemeClr val="tx1"/>
@@ -5004,8 +5006,8 @@
         </p:nvSpPr>
         <p:spPr>
           <a:xfrm>
-            <a:off x="2878213" y="5335501"/>
-            <a:ext cx="1616087" cy="369332"/>
+            <a:off x="2878214" y="5335501"/>
+            <a:ext cx="1080212" cy="369332"/>
           </a:xfrm>
           <a:prstGeom prst="rect">
             <a:avLst/>
@@ -5113,7 +5115,7 @@
           </a:lstStyle>
           <a:p>
             <a:r>
-              <a:rPr lang="en-US" altLang="zh-CN" smtClean="0"/>
+              <a:rPr lang="en-US" altLang="zh-CN" dirty="0" err="1" smtClean="0"/>
               <a:t>end_time</a:t>
             </a:r>
             <a:endParaRPr lang="en-US" dirty="0"/>
@@ -5469,6 +5471,119 @@
                 <a:schemeClr val="tx1"/>
               </a:solidFill>
             </a:endParaRPr>
+          </a:p>
+        </p:txBody>
+      </p:sp>
+      <p:cxnSp>
+        <p:nvCxnSpPr>
+          <p:cNvPr id="68" name="Straight Connector 67"/>
+          <p:cNvCxnSpPr>
+            <a:endCxn id="69" idx="0"/>
+          </p:cNvCxnSpPr>
+          <p:nvPr/>
+        </p:nvCxnSpPr>
+        <p:spPr>
+          <a:xfrm flipH="1">
+            <a:off x="6100393" y="5606681"/>
+            <a:ext cx="936" cy="196894"/>
+          </a:xfrm>
+          <a:prstGeom prst="line">
+            <a:avLst/>
+          </a:prstGeom>
+          <a:ln w="28575">
+            <a:solidFill>
+              <a:schemeClr val="tx1"/>
+            </a:solidFill>
+          </a:ln>
+        </p:spPr>
+        <p:style>
+          <a:lnRef idx="1">
+            <a:schemeClr val="accent1"/>
+          </a:lnRef>
+          <a:fillRef idx="0">
+            <a:schemeClr val="accent1"/>
+          </a:fillRef>
+          <a:effectRef idx="0">
+            <a:schemeClr val="accent1"/>
+          </a:effectRef>
+          <a:fontRef idx="minor">
+            <a:schemeClr val="tx1"/>
+          </a:fontRef>
+        </p:style>
+      </p:cxnSp>
+      <p:sp>
+        <p:nvSpPr>
+          <p:cNvPr id="69" name="Oval 68"/>
+          <p:cNvSpPr/>
+          <p:nvPr/>
+        </p:nvSpPr>
+        <p:spPr>
+          <a:xfrm>
+            <a:off x="5970996" y="5803575"/>
+            <a:ext cx="258793" cy="258793"/>
+          </a:xfrm>
+          <a:prstGeom prst="ellipse">
+            <a:avLst/>
+          </a:prstGeom>
+          <a:noFill/>
+          <a:ln w="28575">
+            <a:solidFill>
+              <a:schemeClr val="tx1"/>
+            </a:solidFill>
+          </a:ln>
+        </p:spPr>
+        <p:style>
+          <a:lnRef idx="2">
+            <a:schemeClr val="accent1">
+              <a:shade val="50000"/>
+            </a:schemeClr>
+          </a:lnRef>
+          <a:fillRef idx="1">
+            <a:schemeClr val="accent1"/>
+          </a:fillRef>
+          <a:effectRef idx="0">
+            <a:schemeClr val="accent1"/>
+          </a:effectRef>
+          <a:fontRef idx="minor">
+            <a:schemeClr val="lt1"/>
+          </a:fontRef>
+        </p:style>
+        <p:txBody>
+          <a:bodyPr rtlCol="0" anchor="ctr"/>
+          <a:lstStyle/>
+          <a:p>
+            <a:pPr algn="ctr"/>
+            <a:endParaRPr lang="en-US"/>
+          </a:p>
+        </p:txBody>
+      </p:sp>
+      <p:sp>
+        <p:nvSpPr>
+          <p:cNvPr id="70" name="TextBox 69"/>
+          <p:cNvSpPr txBox="1"/>
+          <p:nvPr/>
+        </p:nvSpPr>
+        <p:spPr>
+          <a:xfrm>
+            <a:off x="5797718" y="6023112"/>
+            <a:ext cx="1296305" cy="369332"/>
+          </a:xfrm>
+          <a:prstGeom prst="rect">
+            <a:avLst/>
+          </a:prstGeom>
+          <a:noFill/>
+        </p:spPr>
+        <p:txBody>
+          <a:bodyPr wrap="square" rtlCol="0">
+            <a:spAutoFit/>
+          </a:bodyPr>
+          <a:lstStyle/>
+          <a:p>
+            <a:r>
+              <a:rPr lang="en-US" altLang="zh-CN" dirty="0" smtClean="0"/>
+              <a:t>weekday</a:t>
+            </a:r>
+            <a:endParaRPr lang="en-US" dirty="0"/>
           </a:p>
         </p:txBody>
       </p:sp>

--- a/ER Diagram.pptx
+++ b/ER Diagram.pptx
@@ -243,7 +243,7 @@
           <a:p>
             <a:fld id="{7A6B5368-13CE-48DB-A0D7-7862C748779D}" type="datetimeFigureOut">
               <a:rPr lang="en-US" smtClean="0"/>
-              <a:t>22/3/2015</a:t>
+              <a:t>4/1/2015</a:t>
             </a:fld>
             <a:endParaRPr lang="en-US"/>
           </a:p>
@@ -413,7 +413,7 @@
           <a:p>
             <a:fld id="{7A6B5368-13CE-48DB-A0D7-7862C748779D}" type="datetimeFigureOut">
               <a:rPr lang="en-US" smtClean="0"/>
-              <a:t>22/3/2015</a:t>
+              <a:t>4/1/2015</a:t>
             </a:fld>
             <a:endParaRPr lang="en-US"/>
           </a:p>
@@ -593,7 +593,7 @@
           <a:p>
             <a:fld id="{7A6B5368-13CE-48DB-A0D7-7862C748779D}" type="datetimeFigureOut">
               <a:rPr lang="en-US" smtClean="0"/>
-              <a:t>22/3/2015</a:t>
+              <a:t>4/1/2015</a:t>
             </a:fld>
             <a:endParaRPr lang="en-US"/>
           </a:p>
@@ -763,7 +763,7 @@
           <a:p>
             <a:fld id="{7A6B5368-13CE-48DB-A0D7-7862C748779D}" type="datetimeFigureOut">
               <a:rPr lang="en-US" smtClean="0"/>
-              <a:t>22/3/2015</a:t>
+              <a:t>4/1/2015</a:t>
             </a:fld>
             <a:endParaRPr lang="en-US"/>
           </a:p>
@@ -1009,7 +1009,7 @@
           <a:p>
             <a:fld id="{7A6B5368-13CE-48DB-A0D7-7862C748779D}" type="datetimeFigureOut">
               <a:rPr lang="en-US" smtClean="0"/>
-              <a:t>22/3/2015</a:t>
+              <a:t>4/1/2015</a:t>
             </a:fld>
             <a:endParaRPr lang="en-US"/>
           </a:p>
@@ -1241,7 +1241,7 @@
           <a:p>
             <a:fld id="{7A6B5368-13CE-48DB-A0D7-7862C748779D}" type="datetimeFigureOut">
               <a:rPr lang="en-US" smtClean="0"/>
-              <a:t>22/3/2015</a:t>
+              <a:t>4/1/2015</a:t>
             </a:fld>
             <a:endParaRPr lang="en-US"/>
           </a:p>
@@ -1608,7 +1608,7 @@
           <a:p>
             <a:fld id="{7A6B5368-13CE-48DB-A0D7-7862C748779D}" type="datetimeFigureOut">
               <a:rPr lang="en-US" smtClean="0"/>
-              <a:t>22/3/2015</a:t>
+              <a:t>4/1/2015</a:t>
             </a:fld>
             <a:endParaRPr lang="en-US"/>
           </a:p>
@@ -1726,7 +1726,7 @@
           <a:p>
             <a:fld id="{7A6B5368-13CE-48DB-A0D7-7862C748779D}" type="datetimeFigureOut">
               <a:rPr lang="en-US" smtClean="0"/>
-              <a:t>22/3/2015</a:t>
+              <a:t>4/1/2015</a:t>
             </a:fld>
             <a:endParaRPr lang="en-US"/>
           </a:p>
@@ -1821,7 +1821,7 @@
           <a:p>
             <a:fld id="{7A6B5368-13CE-48DB-A0D7-7862C748779D}" type="datetimeFigureOut">
               <a:rPr lang="en-US" smtClean="0"/>
-              <a:t>22/3/2015</a:t>
+              <a:t>4/1/2015</a:t>
             </a:fld>
             <a:endParaRPr lang="en-US"/>
           </a:p>
@@ -2098,7 +2098,7 @@
           <a:p>
             <a:fld id="{7A6B5368-13CE-48DB-A0D7-7862C748779D}" type="datetimeFigureOut">
               <a:rPr lang="en-US" smtClean="0"/>
-              <a:t>22/3/2015</a:t>
+              <a:t>4/1/2015</a:t>
             </a:fld>
             <a:endParaRPr lang="en-US"/>
           </a:p>
@@ -2351,7 +2351,7 @@
           <a:p>
             <a:fld id="{7A6B5368-13CE-48DB-A0D7-7862C748779D}" type="datetimeFigureOut">
               <a:rPr lang="en-US" smtClean="0"/>
-              <a:t>22/3/2015</a:t>
+              <a:t>4/1/2015</a:t>
             </a:fld>
             <a:endParaRPr lang="en-US"/>
           </a:p>
@@ -2564,7 +2564,7 @@
           <a:p>
             <a:fld id="{7A6B5368-13CE-48DB-A0D7-7862C748779D}" type="datetimeFigureOut">
               <a:rPr lang="en-US" smtClean="0"/>
-              <a:t>22/3/2015</a:t>
+              <a:t>4/1/2015</a:t>
             </a:fld>
             <a:endParaRPr lang="en-US"/>
           </a:p>
@@ -3015,8 +3015,8 @@
         </p:nvSpPr>
         <p:spPr>
           <a:xfrm>
-            <a:off x="4573555" y="1207421"/>
-            <a:ext cx="1311452" cy="534838"/>
+            <a:off x="1184523" y="1207421"/>
+            <a:ext cx="4700484" cy="534838"/>
           </a:xfrm>
           <a:prstGeom prst="rect">
             <a:avLst/>
@@ -3102,14 +3102,14 @@
       </p:cxnSp>
       <p:cxnSp>
         <p:nvCxnSpPr>
-          <p:cNvPr id="8" name="Straight Connector 7"/>
+          <p:cNvPr id="10" name="Straight Connector 9"/>
           <p:cNvCxnSpPr/>
           <p:nvPr/>
         </p:nvCxnSpPr>
         <p:spPr>
           <a:xfrm>
-            <a:off x="3940954" y="1328192"/>
-            <a:ext cx="632601" cy="0"/>
+            <a:off x="4394701" y="707089"/>
+            <a:ext cx="0" cy="500332"/>
           </a:xfrm>
           <a:prstGeom prst="line">
             <a:avLst/>
@@ -3137,21 +3137,19 @@
       </p:cxnSp>
       <p:sp>
         <p:nvSpPr>
-          <p:cNvPr id="9" name="Oval 8"/>
+          <p:cNvPr id="17" name="Oval 16"/>
           <p:cNvSpPr/>
           <p:nvPr/>
         </p:nvSpPr>
         <p:spPr>
           <a:xfrm>
-            <a:off x="3667662" y="1198795"/>
+            <a:off x="4265304" y="448296"/>
             <a:ext cx="258793" cy="258793"/>
           </a:xfrm>
           <a:prstGeom prst="ellipse">
             <a:avLst/>
           </a:prstGeom>
-          <a:solidFill>
-            <a:schemeClr val="tx1"/>
-          </a:solidFill>
+          <a:noFill/>
           <a:ln w="28575">
             <a:solidFill>
               <a:schemeClr val="tx1"/>
@@ -3183,15 +3181,75 @@
           </a:p>
         </p:txBody>
       </p:sp>
+      <p:sp>
+        <p:nvSpPr>
+          <p:cNvPr id="18" name="TextBox 17"/>
+          <p:cNvSpPr txBox="1"/>
+          <p:nvPr/>
+        </p:nvSpPr>
+        <p:spPr>
+          <a:xfrm>
+            <a:off x="448323" y="83173"/>
+            <a:ext cx="1640517" cy="369332"/>
+          </a:xfrm>
+          <a:prstGeom prst="rect">
+            <a:avLst/>
+          </a:prstGeom>
+          <a:noFill/>
+        </p:spPr>
+        <p:txBody>
+          <a:bodyPr wrap="square" rtlCol="0">
+            <a:spAutoFit/>
+          </a:bodyPr>
+          <a:lstStyle/>
+          <a:p>
+            <a:r>
+              <a:rPr lang="en-US" dirty="0" err="1" smtClean="0"/>
+              <a:t>matricNumber</a:t>
+            </a:r>
+            <a:endParaRPr lang="en-US" dirty="0"/>
+          </a:p>
+        </p:txBody>
+      </p:sp>
+      <p:sp>
+        <p:nvSpPr>
+          <p:cNvPr id="19" name="TextBox 18"/>
+          <p:cNvSpPr txBox="1"/>
+          <p:nvPr/>
+        </p:nvSpPr>
+        <p:spPr>
+          <a:xfrm>
+            <a:off x="4017864" y="84536"/>
+            <a:ext cx="997908" cy="369332"/>
+          </a:xfrm>
+          <a:prstGeom prst="rect">
+            <a:avLst/>
+          </a:prstGeom>
+          <a:noFill/>
+        </p:spPr>
+        <p:txBody>
+          <a:bodyPr wrap="square" rtlCol="0">
+            <a:spAutoFit/>
+          </a:bodyPr>
+          <a:lstStyle/>
+          <a:p>
+            <a:r>
+              <a:rPr lang="en-US" dirty="0" err="1" smtClean="0"/>
+              <a:t>sName</a:t>
+            </a:r>
+            <a:endParaRPr lang="en-US" dirty="0"/>
+          </a:p>
+        </p:txBody>
+      </p:sp>
       <p:cxnSp>
         <p:nvCxnSpPr>
-          <p:cNvPr id="10" name="Straight Connector 9"/>
+          <p:cNvPr id="20" name="Straight Connector 19"/>
           <p:cNvCxnSpPr/>
           <p:nvPr/>
         </p:nvCxnSpPr>
         <p:spPr>
           <a:xfrm>
-            <a:off x="4875719" y="707089"/>
+            <a:off x="5640587" y="695590"/>
             <a:ext cx="0" cy="500332"/>
           </a:xfrm>
           <a:prstGeom prst="line">
@@ -3220,13 +3278,13 @@
       </p:cxnSp>
       <p:sp>
         <p:nvSpPr>
-          <p:cNvPr id="17" name="Oval 16"/>
+          <p:cNvPr id="21" name="Oval 20"/>
           <p:cNvSpPr/>
           <p:nvPr/>
         </p:nvSpPr>
         <p:spPr>
           <a:xfrm>
-            <a:off x="4746322" y="448296"/>
+            <a:off x="5511190" y="436797"/>
             <a:ext cx="258793" cy="258793"/>
           </a:xfrm>
           <a:prstGeom prst="ellipse">
@@ -3266,14 +3324,14 @@
       </p:sp>
       <p:sp>
         <p:nvSpPr>
-          <p:cNvPr id="18" name="TextBox 17"/>
+          <p:cNvPr id="22" name="TextBox 21"/>
           <p:cNvSpPr txBox="1"/>
           <p:nvPr/>
         </p:nvSpPr>
         <p:spPr>
           <a:xfrm>
-            <a:off x="2373462" y="1126273"/>
-            <a:ext cx="1414733" cy="369332"/>
+            <a:off x="5278354" y="76092"/>
+            <a:ext cx="724463" cy="369332"/>
           </a:xfrm>
           <a:prstGeom prst="rect">
             <a:avLst/>
@@ -3287,153 +3345,8 @@
           <a:lstStyle/>
           <a:p>
             <a:r>
-              <a:rPr lang="en-US" dirty="0" err="1" smtClean="0"/>
-              <a:t>matric_num</a:t>
-            </a:r>
-            <a:endParaRPr lang="en-US" dirty="0"/>
-          </a:p>
-        </p:txBody>
-      </p:sp>
-      <p:sp>
-        <p:nvSpPr>
-          <p:cNvPr id="19" name="TextBox 18"/>
-          <p:cNvSpPr txBox="1"/>
-          <p:nvPr/>
-        </p:nvSpPr>
-        <p:spPr>
-          <a:xfrm>
-            <a:off x="4487530" y="77359"/>
-            <a:ext cx="836764" cy="369332"/>
-          </a:xfrm>
-          <a:prstGeom prst="rect">
-            <a:avLst/>
-          </a:prstGeom>
-          <a:noFill/>
-        </p:spPr>
-        <p:txBody>
-          <a:bodyPr wrap="square" rtlCol="0">
-            <a:spAutoFit/>
-          </a:bodyPr>
-          <a:lstStyle/>
-          <a:p>
-            <a:r>
-              <a:rPr lang="en-US" dirty="0" err="1"/>
-              <a:t>s</a:t>
-            </a:r>
-            <a:r>
-              <a:rPr lang="en-US" dirty="0" err="1" smtClean="0"/>
-              <a:t>name</a:t>
-            </a:r>
-            <a:endParaRPr lang="en-US" dirty="0"/>
-          </a:p>
-        </p:txBody>
-      </p:sp>
-      <p:cxnSp>
-        <p:nvCxnSpPr>
-          <p:cNvPr id="20" name="Straight Connector 19"/>
-          <p:cNvCxnSpPr/>
-          <p:nvPr/>
-        </p:nvCxnSpPr>
-        <p:spPr>
-          <a:xfrm>
-            <a:off x="5640587" y="695590"/>
-            <a:ext cx="0" cy="500332"/>
-          </a:xfrm>
-          <a:prstGeom prst="line">
-            <a:avLst/>
-          </a:prstGeom>
-          <a:ln w="28575">
-            <a:solidFill>
-              <a:schemeClr val="tx1"/>
-            </a:solidFill>
-          </a:ln>
-        </p:spPr>
-        <p:style>
-          <a:lnRef idx="1">
-            <a:schemeClr val="accent1"/>
-          </a:lnRef>
-          <a:fillRef idx="0">
-            <a:schemeClr val="accent1"/>
-          </a:fillRef>
-          <a:effectRef idx="0">
-            <a:schemeClr val="accent1"/>
-          </a:effectRef>
-          <a:fontRef idx="minor">
-            <a:schemeClr val="tx1"/>
-          </a:fontRef>
-        </p:style>
-      </p:cxnSp>
-      <p:sp>
-        <p:nvSpPr>
-          <p:cNvPr id="21" name="Oval 20"/>
-          <p:cNvSpPr/>
-          <p:nvPr/>
-        </p:nvSpPr>
-        <p:spPr>
-          <a:xfrm>
-            <a:off x="5511190" y="436797"/>
-            <a:ext cx="258793" cy="258793"/>
-          </a:xfrm>
-          <a:prstGeom prst="ellipse">
-            <a:avLst/>
-          </a:prstGeom>
-          <a:noFill/>
-          <a:ln w="28575">
-            <a:solidFill>
-              <a:schemeClr val="tx1"/>
-            </a:solidFill>
-          </a:ln>
-        </p:spPr>
-        <p:style>
-          <a:lnRef idx="2">
-            <a:schemeClr val="accent1">
-              <a:shade val="50000"/>
-            </a:schemeClr>
-          </a:lnRef>
-          <a:fillRef idx="1">
-            <a:schemeClr val="accent1"/>
-          </a:fillRef>
-          <a:effectRef idx="0">
-            <a:schemeClr val="accent1"/>
-          </a:effectRef>
-          <a:fontRef idx="minor">
-            <a:schemeClr val="lt1"/>
-          </a:fontRef>
-        </p:style>
-        <p:txBody>
-          <a:bodyPr rtlCol="0" anchor="ctr"/>
-          <a:lstStyle/>
-          <a:p>
-            <a:pPr algn="ctr"/>
-            <a:endParaRPr lang="en-US"/>
-          </a:p>
-        </p:txBody>
-      </p:sp>
-      <p:sp>
-        <p:nvSpPr>
-          <p:cNvPr id="22" name="TextBox 21"/>
-          <p:cNvSpPr txBox="1"/>
-          <p:nvPr/>
-        </p:nvSpPr>
-        <p:spPr>
-          <a:xfrm>
-            <a:off x="5246533" y="75754"/>
-            <a:ext cx="1122033" cy="369332"/>
-          </a:xfrm>
-          <a:prstGeom prst="rect">
-            <a:avLst/>
-          </a:prstGeom>
-          <a:noFill/>
-        </p:spPr>
-        <p:txBody>
-          <a:bodyPr wrap="square" rtlCol="0">
-            <a:spAutoFit/>
-          </a:bodyPr>
-          <a:lstStyle/>
-          <a:p>
-            <a:r>
-              <a:rPr lang="en-US" dirty="0" err="1" smtClean="0"/>
-              <a:t>bal_pts</a:t>
+              <a:rPr lang="vi-VN" dirty="0" smtClean="0"/>
+              <a:t>point</a:t>
             </a:r>
             <a:endParaRPr lang="en-US" dirty="0"/>
           </a:p>
@@ -4434,7 +4347,7 @@
           <a:p>
             <a:r>
               <a:rPr lang="en-US" altLang="zh-CN" dirty="0" err="1" smtClean="0"/>
-              <a:t>bid_pts</a:t>
+              <a:t>bidPoint</a:t>
             </a:r>
             <a:endParaRPr lang="en-US" dirty="0"/>
           </a:p>
@@ -4800,7 +4713,7 @@
           <a:p>
             <a:r>
               <a:rPr lang="en-US" altLang="zh-CN" dirty="0" err="1" smtClean="0"/>
-              <a:t>slotID</a:t>
+              <a:t>slotId</a:t>
             </a:r>
             <a:endParaRPr lang="en-US" dirty="0"/>
           </a:p>
@@ -4992,7 +4905,7 @@
           <a:p>
             <a:r>
               <a:rPr lang="en-US" altLang="zh-CN" dirty="0" err="1" smtClean="0"/>
-              <a:t>start_time</a:t>
+              <a:t>startTime</a:t>
             </a:r>
             <a:endParaRPr lang="en-US" dirty="0"/>
           </a:p>
@@ -5116,7 +5029,7 @@
           <a:p>
             <a:r>
               <a:rPr lang="en-US" altLang="zh-CN" dirty="0" err="1" smtClean="0"/>
-              <a:t>end_time</a:t>
+              <a:t>endTime</a:t>
             </a:r>
             <a:endParaRPr lang="en-US" dirty="0"/>
           </a:p>
@@ -5582,6 +5495,533 @@
             <a:r>
               <a:rPr lang="en-US" altLang="zh-CN" dirty="0" smtClean="0"/>
               <a:t>weekday</a:t>
+            </a:r>
+            <a:endParaRPr lang="en-US" dirty="0"/>
+          </a:p>
+        </p:txBody>
+      </p:sp>
+      <p:cxnSp>
+        <p:nvCxnSpPr>
+          <p:cNvPr id="73" name="Straight Connector 72"/>
+          <p:cNvCxnSpPr/>
+          <p:nvPr/>
+        </p:nvCxnSpPr>
+        <p:spPr>
+          <a:xfrm>
+            <a:off x="2327069" y="691172"/>
+            <a:ext cx="0" cy="500332"/>
+          </a:xfrm>
+          <a:prstGeom prst="line">
+            <a:avLst/>
+          </a:prstGeom>
+          <a:ln w="28575">
+            <a:solidFill>
+              <a:schemeClr val="tx1"/>
+            </a:solidFill>
+          </a:ln>
+        </p:spPr>
+        <p:style>
+          <a:lnRef idx="1">
+            <a:schemeClr val="accent1"/>
+          </a:lnRef>
+          <a:fillRef idx="0">
+            <a:schemeClr val="accent1"/>
+          </a:fillRef>
+          <a:effectRef idx="0">
+            <a:schemeClr val="accent1"/>
+          </a:effectRef>
+          <a:fontRef idx="minor">
+            <a:schemeClr val="tx1"/>
+          </a:fontRef>
+        </p:style>
+      </p:cxnSp>
+      <p:sp>
+        <p:nvSpPr>
+          <p:cNvPr id="79" name="Oval 78"/>
+          <p:cNvSpPr/>
+          <p:nvPr/>
+        </p:nvSpPr>
+        <p:spPr>
+          <a:xfrm>
+            <a:off x="2197672" y="432379"/>
+            <a:ext cx="258793" cy="258793"/>
+          </a:xfrm>
+          <a:prstGeom prst="ellipse">
+            <a:avLst/>
+          </a:prstGeom>
+          <a:noFill/>
+          <a:ln w="28575">
+            <a:solidFill>
+              <a:schemeClr val="tx1"/>
+            </a:solidFill>
+          </a:ln>
+        </p:spPr>
+        <p:style>
+          <a:lnRef idx="2">
+            <a:schemeClr val="accent1">
+              <a:shade val="50000"/>
+            </a:schemeClr>
+          </a:lnRef>
+          <a:fillRef idx="1">
+            <a:schemeClr val="accent1"/>
+          </a:fillRef>
+          <a:effectRef idx="0">
+            <a:schemeClr val="accent1"/>
+          </a:effectRef>
+          <a:fontRef idx="minor">
+            <a:schemeClr val="lt1"/>
+          </a:fontRef>
+        </p:style>
+        <p:txBody>
+          <a:bodyPr rtlCol="0" anchor="ctr"/>
+          <a:lstStyle/>
+          <a:p>
+            <a:pPr algn="ctr"/>
+            <a:endParaRPr lang="en-US"/>
+          </a:p>
+        </p:txBody>
+      </p:sp>
+      <p:sp>
+        <p:nvSpPr>
+          <p:cNvPr id="81" name="TextBox 80"/>
+          <p:cNvSpPr txBox="1"/>
+          <p:nvPr/>
+        </p:nvSpPr>
+        <p:spPr>
+          <a:xfrm>
+            <a:off x="1964009" y="71674"/>
+            <a:ext cx="726117" cy="369332"/>
+          </a:xfrm>
+          <a:prstGeom prst="rect">
+            <a:avLst/>
+          </a:prstGeom>
+          <a:noFill/>
+        </p:spPr>
+        <p:txBody>
+          <a:bodyPr wrap="square" rtlCol="0">
+            <a:spAutoFit/>
+          </a:bodyPr>
+          <a:lstStyle/>
+          <a:p>
+            <a:r>
+              <a:rPr lang="en-US" dirty="0" smtClean="0"/>
+              <a:t>email</a:t>
+            </a:r>
+            <a:endParaRPr lang="en-US" dirty="0"/>
+          </a:p>
+        </p:txBody>
+      </p:sp>
+      <p:cxnSp>
+        <p:nvCxnSpPr>
+          <p:cNvPr id="82" name="Straight Connector 81"/>
+          <p:cNvCxnSpPr/>
+          <p:nvPr/>
+        </p:nvCxnSpPr>
+        <p:spPr>
+          <a:xfrm>
+            <a:off x="2986481" y="702671"/>
+            <a:ext cx="0" cy="500332"/>
+          </a:xfrm>
+          <a:prstGeom prst="line">
+            <a:avLst/>
+          </a:prstGeom>
+          <a:ln w="28575">
+            <a:solidFill>
+              <a:schemeClr val="tx1"/>
+            </a:solidFill>
+          </a:ln>
+        </p:spPr>
+        <p:style>
+          <a:lnRef idx="1">
+            <a:schemeClr val="accent1"/>
+          </a:lnRef>
+          <a:fillRef idx="0">
+            <a:schemeClr val="accent1"/>
+          </a:fillRef>
+          <a:effectRef idx="0">
+            <a:schemeClr val="accent1"/>
+          </a:effectRef>
+          <a:fontRef idx="minor">
+            <a:schemeClr val="tx1"/>
+          </a:fontRef>
+        </p:style>
+      </p:cxnSp>
+      <p:sp>
+        <p:nvSpPr>
+          <p:cNvPr id="85" name="Oval 84"/>
+          <p:cNvSpPr/>
+          <p:nvPr/>
+        </p:nvSpPr>
+        <p:spPr>
+          <a:xfrm>
+            <a:off x="2857084" y="443878"/>
+            <a:ext cx="258793" cy="258793"/>
+          </a:xfrm>
+          <a:prstGeom prst="ellipse">
+            <a:avLst/>
+          </a:prstGeom>
+          <a:noFill/>
+          <a:ln w="28575">
+            <a:solidFill>
+              <a:schemeClr val="tx1"/>
+            </a:solidFill>
+          </a:ln>
+        </p:spPr>
+        <p:style>
+          <a:lnRef idx="2">
+            <a:schemeClr val="accent1">
+              <a:shade val="50000"/>
+            </a:schemeClr>
+          </a:lnRef>
+          <a:fillRef idx="1">
+            <a:schemeClr val="accent1"/>
+          </a:fillRef>
+          <a:effectRef idx="0">
+            <a:schemeClr val="accent1"/>
+          </a:effectRef>
+          <a:fontRef idx="minor">
+            <a:schemeClr val="lt1"/>
+          </a:fontRef>
+        </p:style>
+        <p:txBody>
+          <a:bodyPr rtlCol="0" anchor="ctr"/>
+          <a:lstStyle/>
+          <a:p>
+            <a:pPr algn="ctr"/>
+            <a:endParaRPr lang="en-US"/>
+          </a:p>
+        </p:txBody>
+      </p:sp>
+      <p:sp>
+        <p:nvSpPr>
+          <p:cNvPr id="86" name="TextBox 85"/>
+          <p:cNvSpPr txBox="1"/>
+          <p:nvPr/>
+        </p:nvSpPr>
+        <p:spPr>
+          <a:xfrm>
+            <a:off x="2623421" y="83173"/>
+            <a:ext cx="1085793" cy="369332"/>
+          </a:xfrm>
+          <a:prstGeom prst="rect">
+            <a:avLst/>
+          </a:prstGeom>
+          <a:noFill/>
+        </p:spPr>
+        <p:txBody>
+          <a:bodyPr wrap="square" rtlCol="0">
+            <a:spAutoFit/>
+          </a:bodyPr>
+          <a:lstStyle/>
+          <a:p>
+            <a:r>
+              <a:rPr lang="en-US" dirty="0" smtClean="0"/>
+              <a:t>password</a:t>
+            </a:r>
+            <a:endParaRPr lang="en-US" dirty="0"/>
+          </a:p>
+        </p:txBody>
+      </p:sp>
+      <p:cxnSp>
+        <p:nvCxnSpPr>
+          <p:cNvPr id="87" name="Straight Connector 86"/>
+          <p:cNvCxnSpPr/>
+          <p:nvPr/>
+        </p:nvCxnSpPr>
+        <p:spPr>
+          <a:xfrm>
+            <a:off x="1319734" y="707304"/>
+            <a:ext cx="0" cy="500332"/>
+          </a:xfrm>
+          <a:prstGeom prst="line">
+            <a:avLst/>
+          </a:prstGeom>
+          <a:ln w="28575">
+            <a:solidFill>
+              <a:schemeClr val="tx1"/>
+            </a:solidFill>
+          </a:ln>
+        </p:spPr>
+        <p:style>
+          <a:lnRef idx="1">
+            <a:schemeClr val="accent1"/>
+          </a:lnRef>
+          <a:fillRef idx="0">
+            <a:schemeClr val="accent1"/>
+          </a:fillRef>
+          <a:effectRef idx="0">
+            <a:schemeClr val="accent1"/>
+          </a:effectRef>
+          <a:fontRef idx="minor">
+            <a:schemeClr val="tx1"/>
+          </a:fontRef>
+        </p:style>
+      </p:cxnSp>
+      <p:sp>
+        <p:nvSpPr>
+          <p:cNvPr id="88" name="Oval 87"/>
+          <p:cNvSpPr/>
+          <p:nvPr/>
+        </p:nvSpPr>
+        <p:spPr>
+          <a:xfrm>
+            <a:off x="1190337" y="448511"/>
+            <a:ext cx="258793" cy="258793"/>
+          </a:xfrm>
+          <a:prstGeom prst="ellipse">
+            <a:avLst/>
+          </a:prstGeom>
+          <a:solidFill>
+            <a:schemeClr val="tx1"/>
+          </a:solidFill>
+          <a:ln w="28575">
+            <a:solidFill>
+              <a:schemeClr val="tx1"/>
+            </a:solidFill>
+          </a:ln>
+        </p:spPr>
+        <p:style>
+          <a:lnRef idx="2">
+            <a:schemeClr val="accent1">
+              <a:shade val="50000"/>
+            </a:schemeClr>
+          </a:lnRef>
+          <a:fillRef idx="1">
+            <a:schemeClr val="accent1"/>
+          </a:fillRef>
+          <a:effectRef idx="0">
+            <a:schemeClr val="accent1"/>
+          </a:effectRef>
+          <a:fontRef idx="minor">
+            <a:schemeClr val="lt1"/>
+          </a:fontRef>
+        </p:style>
+        <p:txBody>
+          <a:bodyPr rtlCol="0" anchor="ctr"/>
+          <a:lstStyle/>
+          <a:p>
+            <a:pPr algn="ctr"/>
+            <a:endParaRPr lang="en-US"/>
+          </a:p>
+        </p:txBody>
+      </p:sp>
+      <p:cxnSp>
+        <p:nvCxnSpPr>
+          <p:cNvPr id="97" name="Straight Connector 96"/>
+          <p:cNvCxnSpPr/>
+          <p:nvPr/>
+        </p:nvCxnSpPr>
+        <p:spPr>
+          <a:xfrm>
+            <a:off x="2671383" y="1754570"/>
+            <a:ext cx="0" cy="500332"/>
+          </a:xfrm>
+          <a:prstGeom prst="line">
+            <a:avLst/>
+          </a:prstGeom>
+          <a:ln w="28575">
+            <a:solidFill>
+              <a:schemeClr val="tx1"/>
+            </a:solidFill>
+          </a:ln>
+        </p:spPr>
+        <p:style>
+          <a:lnRef idx="1">
+            <a:schemeClr val="accent1"/>
+          </a:lnRef>
+          <a:fillRef idx="0">
+            <a:schemeClr val="accent1"/>
+          </a:fillRef>
+          <a:effectRef idx="0">
+            <a:schemeClr val="accent1"/>
+          </a:effectRef>
+          <a:fontRef idx="minor">
+            <a:schemeClr val="tx1"/>
+          </a:fontRef>
+        </p:style>
+      </p:cxnSp>
+      <p:sp>
+        <p:nvSpPr>
+          <p:cNvPr id="107" name="Oval 106"/>
+          <p:cNvSpPr/>
+          <p:nvPr/>
+        </p:nvSpPr>
+        <p:spPr>
+          <a:xfrm>
+            <a:off x="2541399" y="2254090"/>
+            <a:ext cx="258793" cy="258793"/>
+          </a:xfrm>
+          <a:prstGeom prst="ellipse">
+            <a:avLst/>
+          </a:prstGeom>
+          <a:noFill/>
+          <a:ln w="28575">
+            <a:solidFill>
+              <a:schemeClr val="tx1"/>
+            </a:solidFill>
+          </a:ln>
+        </p:spPr>
+        <p:style>
+          <a:lnRef idx="2">
+            <a:schemeClr val="accent1">
+              <a:shade val="50000"/>
+            </a:schemeClr>
+          </a:lnRef>
+          <a:fillRef idx="1">
+            <a:schemeClr val="accent1"/>
+          </a:fillRef>
+          <a:effectRef idx="0">
+            <a:schemeClr val="accent1"/>
+          </a:effectRef>
+          <a:fontRef idx="minor">
+            <a:schemeClr val="lt1"/>
+          </a:fontRef>
+        </p:style>
+        <p:txBody>
+          <a:bodyPr rtlCol="0" anchor="ctr"/>
+          <a:lstStyle/>
+          <a:p>
+            <a:pPr algn="ctr"/>
+            <a:endParaRPr lang="en-US"/>
+          </a:p>
+        </p:txBody>
+      </p:sp>
+      <p:sp>
+        <p:nvSpPr>
+          <p:cNvPr id="108" name="TextBox 107"/>
+          <p:cNvSpPr txBox="1"/>
+          <p:nvPr/>
+        </p:nvSpPr>
+        <p:spPr>
+          <a:xfrm>
+            <a:off x="2084267" y="2512883"/>
+            <a:ext cx="1263340" cy="369332"/>
+          </a:xfrm>
+          <a:prstGeom prst="rect">
+            <a:avLst/>
+          </a:prstGeom>
+          <a:noFill/>
+        </p:spPr>
+        <p:txBody>
+          <a:bodyPr wrap="square" rtlCol="0">
+            <a:spAutoFit/>
+          </a:bodyPr>
+          <a:lstStyle/>
+          <a:p>
+            <a:r>
+              <a:rPr lang="en-US" dirty="0" err="1" smtClean="0"/>
+              <a:t>resetToken</a:t>
+            </a:r>
+            <a:endParaRPr lang="en-US" dirty="0"/>
+          </a:p>
+        </p:txBody>
+      </p:sp>
+      <p:cxnSp>
+        <p:nvCxnSpPr>
+          <p:cNvPr id="109" name="Straight Connector 108"/>
+          <p:cNvCxnSpPr/>
+          <p:nvPr/>
+        </p:nvCxnSpPr>
+        <p:spPr>
+          <a:xfrm>
+            <a:off x="1314507" y="1761531"/>
+            <a:ext cx="0" cy="500332"/>
+          </a:xfrm>
+          <a:prstGeom prst="line">
+            <a:avLst/>
+          </a:prstGeom>
+          <a:ln w="28575">
+            <a:solidFill>
+              <a:schemeClr val="tx1"/>
+            </a:solidFill>
+          </a:ln>
+        </p:spPr>
+        <p:style>
+          <a:lnRef idx="1">
+            <a:schemeClr val="accent1"/>
+          </a:lnRef>
+          <a:fillRef idx="0">
+            <a:schemeClr val="accent1"/>
+          </a:fillRef>
+          <a:effectRef idx="0">
+            <a:schemeClr val="accent1"/>
+          </a:effectRef>
+          <a:fontRef idx="minor">
+            <a:schemeClr val="tx1"/>
+          </a:fontRef>
+        </p:style>
+      </p:cxnSp>
+      <p:sp>
+        <p:nvSpPr>
+          <p:cNvPr id="110" name="Oval 109"/>
+          <p:cNvSpPr/>
+          <p:nvPr/>
+        </p:nvSpPr>
+        <p:spPr>
+          <a:xfrm>
+            <a:off x="1184523" y="2261051"/>
+            <a:ext cx="258793" cy="258793"/>
+          </a:xfrm>
+          <a:prstGeom prst="ellipse">
+            <a:avLst/>
+          </a:prstGeom>
+          <a:noFill/>
+          <a:ln w="28575">
+            <a:solidFill>
+              <a:schemeClr val="tx1"/>
+            </a:solidFill>
+          </a:ln>
+        </p:spPr>
+        <p:style>
+          <a:lnRef idx="2">
+            <a:schemeClr val="accent1">
+              <a:shade val="50000"/>
+            </a:schemeClr>
+          </a:lnRef>
+          <a:fillRef idx="1">
+            <a:schemeClr val="accent1"/>
+          </a:fillRef>
+          <a:effectRef idx="0">
+            <a:schemeClr val="accent1"/>
+          </a:effectRef>
+          <a:fontRef idx="minor">
+            <a:schemeClr val="lt1"/>
+          </a:fontRef>
+        </p:style>
+        <p:txBody>
+          <a:bodyPr rtlCol="0" anchor="ctr"/>
+          <a:lstStyle/>
+          <a:p>
+            <a:pPr algn="ctr"/>
+            <a:endParaRPr lang="en-US"/>
+          </a:p>
+        </p:txBody>
+      </p:sp>
+      <p:sp>
+        <p:nvSpPr>
+          <p:cNvPr id="111" name="TextBox 110"/>
+          <p:cNvSpPr txBox="1"/>
+          <p:nvPr/>
+        </p:nvSpPr>
+        <p:spPr>
+          <a:xfrm>
+            <a:off x="548518" y="2516950"/>
+            <a:ext cx="1608001" cy="369332"/>
+          </a:xfrm>
+          <a:prstGeom prst="rect">
+            <a:avLst/>
+          </a:prstGeom>
+          <a:noFill/>
+        </p:spPr>
+        <p:txBody>
+          <a:bodyPr wrap="square" rtlCol="0">
+            <a:spAutoFit/>
+          </a:bodyPr>
+          <a:lstStyle/>
+          <a:p>
+            <a:r>
+              <a:rPr lang="en-US" dirty="0" err="1" smtClean="0"/>
+              <a:t>resetComplete</a:t>
             </a:r>
             <a:endParaRPr lang="en-US" dirty="0"/>
           </a:p>

--- a/ER Diagram.pptx
+++ b/ER Diagram.pptx
@@ -243,7 +243,7 @@
           <a:p>
             <a:fld id="{7A6B5368-13CE-48DB-A0D7-7862C748779D}" type="datetimeFigureOut">
               <a:rPr lang="en-US" smtClean="0"/>
-              <a:t>4/1/2015</a:t>
+              <a:t>4/7/2015</a:t>
             </a:fld>
             <a:endParaRPr lang="en-US"/>
           </a:p>
@@ -413,7 +413,7 @@
           <a:p>
             <a:fld id="{7A6B5368-13CE-48DB-A0D7-7862C748779D}" type="datetimeFigureOut">
               <a:rPr lang="en-US" smtClean="0"/>
-              <a:t>4/1/2015</a:t>
+              <a:t>4/7/2015</a:t>
             </a:fld>
             <a:endParaRPr lang="en-US"/>
           </a:p>
@@ -593,7 +593,7 @@
           <a:p>
             <a:fld id="{7A6B5368-13CE-48DB-A0D7-7862C748779D}" type="datetimeFigureOut">
               <a:rPr lang="en-US" smtClean="0"/>
-              <a:t>4/1/2015</a:t>
+              <a:t>4/7/2015</a:t>
             </a:fld>
             <a:endParaRPr lang="en-US"/>
           </a:p>
@@ -763,7 +763,7 @@
           <a:p>
             <a:fld id="{7A6B5368-13CE-48DB-A0D7-7862C748779D}" type="datetimeFigureOut">
               <a:rPr lang="en-US" smtClean="0"/>
-              <a:t>4/1/2015</a:t>
+              <a:t>4/7/2015</a:t>
             </a:fld>
             <a:endParaRPr lang="en-US"/>
           </a:p>
@@ -1009,7 +1009,7 @@
           <a:p>
             <a:fld id="{7A6B5368-13CE-48DB-A0D7-7862C748779D}" type="datetimeFigureOut">
               <a:rPr lang="en-US" smtClean="0"/>
-              <a:t>4/1/2015</a:t>
+              <a:t>4/7/2015</a:t>
             </a:fld>
             <a:endParaRPr lang="en-US"/>
           </a:p>
@@ -1241,7 +1241,7 @@
           <a:p>
             <a:fld id="{7A6B5368-13CE-48DB-A0D7-7862C748779D}" type="datetimeFigureOut">
               <a:rPr lang="en-US" smtClean="0"/>
-              <a:t>4/1/2015</a:t>
+              <a:t>4/7/2015</a:t>
             </a:fld>
             <a:endParaRPr lang="en-US"/>
           </a:p>
@@ -1608,7 +1608,7 @@
           <a:p>
             <a:fld id="{7A6B5368-13CE-48DB-A0D7-7862C748779D}" type="datetimeFigureOut">
               <a:rPr lang="en-US" smtClean="0"/>
-              <a:t>4/1/2015</a:t>
+              <a:t>4/7/2015</a:t>
             </a:fld>
             <a:endParaRPr lang="en-US"/>
           </a:p>
@@ -1726,7 +1726,7 @@
           <a:p>
             <a:fld id="{7A6B5368-13CE-48DB-A0D7-7862C748779D}" type="datetimeFigureOut">
               <a:rPr lang="en-US" smtClean="0"/>
-              <a:t>4/1/2015</a:t>
+              <a:t>4/7/2015</a:t>
             </a:fld>
             <a:endParaRPr lang="en-US"/>
           </a:p>
@@ -1821,7 +1821,7 @@
           <a:p>
             <a:fld id="{7A6B5368-13CE-48DB-A0D7-7862C748779D}" type="datetimeFigureOut">
               <a:rPr lang="en-US" smtClean="0"/>
-              <a:t>4/1/2015</a:t>
+              <a:t>4/7/2015</a:t>
             </a:fld>
             <a:endParaRPr lang="en-US"/>
           </a:p>
@@ -2098,7 +2098,7 @@
           <a:p>
             <a:fld id="{7A6B5368-13CE-48DB-A0D7-7862C748779D}" type="datetimeFigureOut">
               <a:rPr lang="en-US" smtClean="0"/>
-              <a:t>4/1/2015</a:t>
+              <a:t>4/7/2015</a:t>
             </a:fld>
             <a:endParaRPr lang="en-US"/>
           </a:p>
@@ -2351,7 +2351,7 @@
           <a:p>
             <a:fld id="{7A6B5368-13CE-48DB-A0D7-7862C748779D}" type="datetimeFigureOut">
               <a:rPr lang="en-US" smtClean="0"/>
-              <a:t>4/1/2015</a:t>
+              <a:t>4/7/2015</a:t>
             </a:fld>
             <a:endParaRPr lang="en-US"/>
           </a:p>
@@ -2564,7 +2564,7 @@
           <a:p>
             <a:fld id="{7A6B5368-13CE-48DB-A0D7-7862C748779D}" type="datetimeFigureOut">
               <a:rPr lang="en-US" smtClean="0"/>
-              <a:t>4/1/2015</a:t>
+              <a:t>4/7/2015</a:t>
             </a:fld>
             <a:endParaRPr lang="en-US"/>
           </a:p>
@@ -6027,6 +6027,119 @@
           </a:p>
         </p:txBody>
       </p:sp>
+      <p:sp>
+        <p:nvSpPr>
+          <p:cNvPr id="89" name="Oval 88"/>
+          <p:cNvSpPr/>
+          <p:nvPr/>
+        </p:nvSpPr>
+        <p:spPr>
+          <a:xfrm>
+            <a:off x="6518925" y="5455122"/>
+            <a:ext cx="258793" cy="258793"/>
+          </a:xfrm>
+          <a:prstGeom prst="ellipse">
+            <a:avLst/>
+          </a:prstGeom>
+          <a:noFill/>
+          <a:ln w="28575">
+            <a:solidFill>
+              <a:schemeClr val="tx1"/>
+            </a:solidFill>
+          </a:ln>
+        </p:spPr>
+        <p:style>
+          <a:lnRef idx="2">
+            <a:schemeClr val="accent1">
+              <a:shade val="50000"/>
+            </a:schemeClr>
+          </a:lnRef>
+          <a:fillRef idx="1">
+            <a:schemeClr val="accent1"/>
+          </a:fillRef>
+          <a:effectRef idx="0">
+            <a:schemeClr val="accent1"/>
+          </a:effectRef>
+          <a:fontRef idx="minor">
+            <a:schemeClr val="lt1"/>
+          </a:fontRef>
+        </p:style>
+        <p:txBody>
+          <a:bodyPr rtlCol="0" anchor="ctr"/>
+          <a:lstStyle/>
+          <a:p>
+            <a:pPr algn="ctr"/>
+            <a:endParaRPr lang="en-US"/>
+          </a:p>
+        </p:txBody>
+      </p:sp>
+      <p:cxnSp>
+        <p:nvCxnSpPr>
+          <p:cNvPr id="90" name="Straight Connector 89"/>
+          <p:cNvCxnSpPr>
+            <a:endCxn id="89" idx="2"/>
+          </p:cNvCxnSpPr>
+          <p:nvPr/>
+        </p:nvCxnSpPr>
+        <p:spPr>
+          <a:xfrm flipV="1">
+            <a:off x="6187054" y="5584519"/>
+            <a:ext cx="331871" cy="1363"/>
+          </a:xfrm>
+          <a:prstGeom prst="line">
+            <a:avLst/>
+          </a:prstGeom>
+          <a:ln w="28575">
+            <a:solidFill>
+              <a:schemeClr val="tx1"/>
+            </a:solidFill>
+          </a:ln>
+        </p:spPr>
+        <p:style>
+          <a:lnRef idx="1">
+            <a:schemeClr val="accent1"/>
+          </a:lnRef>
+          <a:fillRef idx="0">
+            <a:schemeClr val="accent1"/>
+          </a:fillRef>
+          <a:effectRef idx="0">
+            <a:schemeClr val="accent1"/>
+          </a:effectRef>
+          <a:fontRef idx="minor">
+            <a:schemeClr val="tx1"/>
+          </a:fontRef>
+        </p:style>
+      </p:cxnSp>
+      <p:sp>
+        <p:nvSpPr>
+          <p:cNvPr id="93" name="TextBox 92"/>
+          <p:cNvSpPr txBox="1"/>
+          <p:nvPr/>
+        </p:nvSpPr>
+        <p:spPr>
+          <a:xfrm>
+            <a:off x="6287490" y="5670729"/>
+            <a:ext cx="1296305" cy="369332"/>
+          </a:xfrm>
+          <a:prstGeom prst="rect">
+            <a:avLst/>
+          </a:prstGeom>
+          <a:noFill/>
+        </p:spPr>
+        <p:txBody>
+          <a:bodyPr wrap="square" rtlCol="0">
+            <a:spAutoFit/>
+          </a:bodyPr>
+          <a:lstStyle/>
+          <a:p>
+            <a:r>
+              <a:rPr lang="en-US" dirty="0" smtClean="0"/>
+              <a:t>name</a:t>
+            </a:r>
+            <a:endParaRPr lang="en-US" dirty="0"/>
+          </a:p>
+        </p:txBody>
+      </p:sp>
     </p:spTree>
     <p:extLst>
       <p:ext uri="{BB962C8B-B14F-4D97-AF65-F5344CB8AC3E}">
